--- a/AED - STCP G10.pptx
+++ b/AED - STCP G10.pptx
@@ -8964,14 +8964,14 @@
               </a:defRPr>
             </a:pPr>
             <a:r>
-              <a:rPr lang="pt-PT" sz="1200" b="0" i="0" u="none" strike="noStrike" kern="1200" cap="none" spc="0" baseline="0">
+              <a:rPr lang="pt-PT" sz="1200" b="0" i="0" u="none" strike="noStrike" kern="1200" cap="none" spc="0" baseline="0" dirty="0">
                 <a:solidFill>
                   <a:srgbClr val="898989"/>
                 </a:solidFill>
                 <a:uFillTx/>
                 <a:latin typeface="Avenir Next LT Pro"/>
               </a:rPr>
-              <a:t>18/12/2021</a:t>
+              <a:t>28/01/2021</a:t>
             </a:r>
           </a:p>
         </p:txBody>
@@ -9740,13 +9740,23 @@
               </a:defRPr>
             </a:pPr>
             <a:r>
+              <a:rPr lang="pt-PT" sz="1200" b="0" i="0" u="none" strike="noStrike" kern="1200" cap="none" spc="0" baseline="0" dirty="0">
+                <a:solidFill>
+                  <a:srgbClr val="898989"/>
+                </a:solidFill>
+                <a:uFillTx/>
+                <a:latin typeface="Avenir Next LT Pro"/>
+              </a:rPr>
+              <a:t>28/01</a:t>
+            </a:r>
+            <a:r>
               <a:rPr lang="pt-PT" sz="1200" dirty="0">
                 <a:solidFill>
                   <a:srgbClr val="898989"/>
                 </a:solidFill>
                 <a:latin typeface="Avenir Next LT Pro"/>
               </a:rPr>
-              <a:t>18/12/2021</a:t>
+              <a:t>/2021</a:t>
             </a:r>
             <a:endParaRPr lang="pt-PT" sz="1200" b="0" i="0" u="none" strike="noStrike" kern="1200" cap="none" spc="0" baseline="0" dirty="0">
               <a:solidFill>
@@ -9966,14 +9976,14 @@
               </a:defRPr>
             </a:pPr>
             <a:r>
-              <a:rPr lang="pt-PT" sz="1200" b="0" i="0" u="none" strike="noStrike" kern="1200" cap="none" spc="0" baseline="0">
+              <a:rPr lang="pt-PT" sz="1200" b="0" i="0" u="none" strike="noStrike" kern="1200" cap="none" spc="0" baseline="0" dirty="0">
                 <a:solidFill>
                   <a:srgbClr val="898989"/>
                 </a:solidFill>
                 <a:uFillTx/>
                 <a:latin typeface="Avenir Next LT Pro"/>
               </a:rPr>
-              <a:t>18/12/2021</a:t>
+              <a:t>28/01/2021</a:t>
             </a:r>
           </a:p>
         </p:txBody>
@@ -10169,10 +10179,10 @@
       </p:sp>
       <p:pic>
         <p:nvPicPr>
-          <p:cNvPr id="7" name="Imagem 6">
-            <a:extLst>
-              <a:ext uri="{FF2B5EF4-FFF2-40B4-BE49-F238E27FC236}">
-                <a16:creationId xmlns:a16="http://schemas.microsoft.com/office/drawing/2014/main" id="{4E601022-2BA2-B64D-834E-6176688F6A76}"/>
+          <p:cNvPr id="16" name="Imagem 15">
+            <a:extLst>
+              <a:ext uri="{FF2B5EF4-FFF2-40B4-BE49-F238E27FC236}">
+                <a16:creationId xmlns:a16="http://schemas.microsoft.com/office/drawing/2014/main" id="{00D4CDF2-A633-4A1B-8E21-DAD7BC1A8574}"/>
               </a:ext>
             </a:extLst>
           </p:cNvPr>
@@ -10181,7 +10191,7 @@
           </p:cNvPicPr>
           <p:nvPr/>
         </p:nvPicPr>
-        <p:blipFill rotWithShape="1">
+        <p:blipFill>
           <a:blip r:embed="rId3">
             <a:extLst>
               <a:ext uri="{28A0092B-C50C-407E-A947-70E740481C1C}">
@@ -10189,13 +10199,14 @@
               </a:ext>
             </a:extLst>
           </a:blip>
-          <a:srcRect t="-1787" b="3413"/>
-          <a:stretch/>
+          <a:stretch>
+            <a:fillRect/>
+          </a:stretch>
         </p:blipFill>
         <p:spPr>
           <a:xfrm>
-            <a:off x="1999668" y="818780"/>
-            <a:ext cx="7741719" cy="5684961"/>
+            <a:off x="1962150" y="1183379"/>
+            <a:ext cx="8490438" cy="4491242"/>
           </a:xfrm>
           <a:prstGeom prst="rect">
             <a:avLst/>
@@ -10780,7 +10791,7 @@
         </p:nvSpPr>
         <p:spPr>
           <a:xfrm>
-            <a:off x="2595720" y="226088"/>
+            <a:off x="2693404" y="324066"/>
             <a:ext cx="6272783" cy="1536192"/>
           </a:xfrm>
           <a:prstGeom prst="rect">
@@ -11357,14 +11368,14 @@
               </a:defRPr>
             </a:pPr>
             <a:r>
-              <a:rPr lang="pt-PT" sz="1200" b="0" i="0" u="none" strike="noStrike" kern="1200" cap="none" spc="0" baseline="0">
+              <a:rPr lang="pt-PT" sz="1200" b="0" i="0" u="none" strike="noStrike" kern="1200" cap="none" spc="0" baseline="0" dirty="0">
                 <a:solidFill>
                   <a:srgbClr val="898989"/>
                 </a:solidFill>
                 <a:uFillTx/>
                 <a:latin typeface="Avenir Next LT Pro"/>
               </a:rPr>
-              <a:t>18/12/2021</a:t>
+              <a:t>28/01/2021</a:t>
             </a:r>
           </a:p>
         </p:txBody>
@@ -11690,8 +11701,8 @@
           </a:p>
         </p:txBody>
       </p:sp>
-      <mc:AlternateContent xmlns:mc="http://schemas.openxmlformats.org/markup-compatibility/2006">
-        <mc:Choice xmlns:a14="http://schemas.microsoft.com/office/drawing/2010/main" Requires="a14">
+      <mc:AlternateContent xmlns:mc="http://schemas.openxmlformats.org/markup-compatibility/2006" xmlns:a14="http://schemas.microsoft.com/office/drawing/2010/main">
+        <mc:Choice Requires="a14">
           <p:sp>
             <p:nvSpPr>
               <p:cNvPr id="23" name="CaixaDeTexto 22">
@@ -11795,7 +11806,7 @@
             </p:txBody>
           </p:sp>
         </mc:Choice>
-        <mc:Fallback>
+        <mc:Fallback xmlns="">
           <p:sp>
             <p:nvSpPr>
               <p:cNvPr id="23" name="CaixaDeTexto 22">
@@ -11946,14 +11957,14 @@
               </a:defRPr>
             </a:pPr>
             <a:r>
-              <a:rPr lang="pt-PT" sz="1200" b="0" i="0" u="none" strike="noStrike" kern="1200" cap="none" spc="0" baseline="0">
+              <a:rPr lang="pt-PT" sz="1200" b="0" i="0" u="none" strike="noStrike" kern="1200" cap="none" spc="0" baseline="0" dirty="0">
                 <a:solidFill>
                   <a:srgbClr val="898989"/>
                 </a:solidFill>
                 <a:uFillTx/>
                 <a:latin typeface="Avenir Next LT Pro"/>
               </a:rPr>
-              <a:t>18/12/2021</a:t>
+              <a:t>28/01/2021</a:t>
             </a:r>
           </a:p>
         </p:txBody>
@@ -12497,14 +12508,14 @@
               </a:defRPr>
             </a:pPr>
             <a:r>
-              <a:rPr lang="pt-PT" sz="1200" b="0" i="0" u="none" strike="noStrike" kern="1200" cap="none" spc="0" baseline="0">
+              <a:rPr lang="pt-PT" sz="1200" b="0" i="0" u="none" strike="noStrike" kern="1200" cap="none" spc="0" baseline="0" dirty="0">
                 <a:solidFill>
                   <a:srgbClr val="898989"/>
                 </a:solidFill>
                 <a:uFillTx/>
                 <a:latin typeface="Avenir Next LT Pro"/>
               </a:rPr>
-              <a:t>18/12/2021</a:t>
+              <a:t>28/01/2021</a:t>
             </a:r>
           </a:p>
         </p:txBody>
@@ -12943,14 +12954,14 @@
               </a:defRPr>
             </a:pPr>
             <a:r>
-              <a:rPr lang="pt-PT" sz="1200" b="0" i="0" u="none" strike="noStrike" kern="1200" cap="none" spc="0" baseline="0">
+              <a:rPr lang="pt-PT" sz="1200" b="0" i="0" u="none" strike="noStrike" kern="1200" cap="none" spc="0" baseline="0" dirty="0">
                 <a:solidFill>
                   <a:srgbClr val="898989"/>
                 </a:solidFill>
                 <a:uFillTx/>
                 <a:latin typeface="Avenir Next LT Pro"/>
               </a:rPr>
-              <a:t>18/12/2021</a:t>
+              <a:t>28/01/2021</a:t>
             </a:r>
           </a:p>
         </p:txBody>
@@ -13389,14 +13400,14 @@
               </a:defRPr>
             </a:pPr>
             <a:r>
-              <a:rPr lang="pt-PT" sz="1200" b="0" i="0" u="none" strike="noStrike" kern="1200" cap="none" spc="0" baseline="0">
+              <a:rPr lang="pt-PT" sz="1200" b="0" i="0" u="none" strike="noStrike" kern="1200" cap="none" spc="0" baseline="0" dirty="0">
                 <a:solidFill>
                   <a:srgbClr val="898989"/>
                 </a:solidFill>
                 <a:uFillTx/>
                 <a:latin typeface="Avenir Next LT Pro"/>
               </a:rPr>
-              <a:t>18/12/2021</a:t>
+              <a:t>28/01/2021</a:t>
             </a:r>
           </a:p>
         </p:txBody>

--- a/AED - STCP G10.pptx
+++ b/AED - STCP G10.pptx
@@ -5,10 +5,10 @@
     <p:sldMasterId id="2147483648" r:id="rId1"/>
   </p:sldMasterIdLst>
   <p:notesMasterIdLst>
-    <p:notesMasterId r:id="rId13"/>
+    <p:notesMasterId r:id="rId12"/>
   </p:notesMasterIdLst>
   <p:handoutMasterIdLst>
-    <p:handoutMasterId r:id="rId14"/>
+    <p:handoutMasterId r:id="rId13"/>
   </p:handoutMasterIdLst>
   <p:sldIdLst>
     <p:sldId id="281" r:id="rId2"/>
@@ -18,10 +18,9 @@
     <p:sldId id="367" r:id="rId6"/>
     <p:sldId id="377" r:id="rId7"/>
     <p:sldId id="378" r:id="rId8"/>
-    <p:sldId id="379" r:id="rId9"/>
-    <p:sldId id="380" r:id="rId10"/>
-    <p:sldId id="368" r:id="rId11"/>
-    <p:sldId id="357" r:id="rId12"/>
+    <p:sldId id="380" r:id="rId9"/>
+    <p:sldId id="368" r:id="rId10"/>
+    <p:sldId id="357" r:id="rId11"/>
   </p:sldIdLst>
   <p:sldSz cx="12192000" cy="6858000"/>
   <p:notesSz cx="6858000" cy="9144000"/>
@@ -298,7 +297,7 @@
                   <a:uFillTx/>
                 </a:defRPr>
               </a:pPr>
-              <a:t>28/01/2022</a:t>
+              <a:t>30/01/2022</a:t>
             </a:fld>
             <a:endParaRPr lang="pt-PT" sz="1200" b="0" i="0" u="none" strike="noStrike" kern="1200" cap="none" spc="0" baseline="0">
               <a:solidFill>
@@ -598,7 +597,7 @@
             <a:fld id="{A2E76D45-053B-4F52-AE01-1A40FEA41188}" type="datetime1">
               <a:rPr lang="pt-PT"/>
               <a:pPr lvl="0"/>
-              <a:t>28/01/2022</a:t>
+              <a:t>30/01/2022</a:t>
             </a:fld>
             <a:endParaRPr lang="pt-PT"/>
           </a:p>
@@ -1338,7 +1337,7 @@
               </a:defRPr>
             </a:pPr>
             <a:fld id="{8288AEEE-25C9-465C-94EA-777ADB4C4BB2}" type="slidenum">
-              <a:t>11</a:t>
+              <a:t>10</a:t>
             </a:fld>
             <a:endParaRPr lang="pt-PT" sz="1200" b="0" i="0" u="none" strike="noStrike" kern="1200" cap="none" spc="0" baseline="0">
               <a:solidFill>
@@ -8898,506 +8897,6 @@
 
 <file path=ppt/slides/slide10.xml><?xml version="1.0" encoding="utf-8"?>
 <p:sld xmlns:a="http://schemas.openxmlformats.org/drawingml/2006/main" xmlns:r="http://schemas.openxmlformats.org/officeDocument/2006/relationships" xmlns:p="http://schemas.openxmlformats.org/presentationml/2006/main">
-  <p:cSld name="Slide113">
-    <p:spTree>
-      <p:nvGrpSpPr>
-        <p:cNvPr id="1" name=""/>
-        <p:cNvGrpSpPr/>
-        <p:nvPr/>
-      </p:nvGrpSpPr>
-      <p:grpSpPr>
-        <a:xfrm>
-          <a:off x="0" y="0"/>
-          <a:ext cx="0" cy="0"/>
-          <a:chOff x="0" y="0"/>
-          <a:chExt cx="0" cy="0"/>
-        </a:xfrm>
-      </p:grpSpPr>
-      <p:sp>
-        <p:nvSpPr>
-          <p:cNvPr id="2" name="Marcador de Posição da Data 1">
-            <a:extLst>
-              <a:ext uri="{FF2B5EF4-FFF2-40B4-BE49-F238E27FC236}">
-                <a16:creationId xmlns:a16="http://schemas.microsoft.com/office/drawing/2014/main" id="{98E94B04-124F-4780-9F1A-13DEFC4FE480}"/>
-              </a:ext>
-            </a:extLst>
-          </p:cNvPr>
-          <p:cNvSpPr txBox="1"/>
-          <p:nvPr/>
-        </p:nvSpPr>
-        <p:spPr>
-          <a:xfrm>
-            <a:off x="838203" y="6356351"/>
-            <a:ext cx="2743200" cy="365129"/>
-          </a:xfrm>
-          <a:prstGeom prst="rect">
-            <a:avLst/>
-          </a:prstGeom>
-          <a:noFill/>
-          <a:ln cap="flat">
-            <a:noFill/>
-          </a:ln>
-        </p:spPr>
-        <p:txBody>
-          <a:bodyPr vert="horz" wrap="square" lIns="91440" tIns="45720" rIns="91440" bIns="45720" anchor="ctr" anchorCtr="0" compatLnSpc="1">
-            <a:noAutofit/>
-          </a:bodyPr>
-          <a:lstStyle/>
-          <a:p>
-            <a:pPr marL="0" marR="0" lvl="0" indent="0" algn="l" defTabSz="914400" rtl="0" fontAlgn="auto" hangingPunct="1">
-              <a:lnSpc>
-                <a:spcPct val="100000"/>
-              </a:lnSpc>
-              <a:spcBef>
-                <a:spcPts val="0"/>
-              </a:spcBef>
-              <a:spcAft>
-                <a:spcPts val="0"/>
-              </a:spcAft>
-              <a:buNone/>
-              <a:tabLst/>
-              <a:defRPr sz="1800" b="0" i="0" u="none" strike="noStrike" kern="0" cap="none" spc="0" baseline="0">
-                <a:solidFill>
-                  <a:srgbClr val="000000"/>
-                </a:solidFill>
-                <a:uFillTx/>
-              </a:defRPr>
-            </a:pPr>
-            <a:r>
-              <a:rPr lang="pt-PT" sz="1200" b="0" i="0" u="none" strike="noStrike" kern="1200" cap="none" spc="0" baseline="0" dirty="0">
-                <a:solidFill>
-                  <a:srgbClr val="898989"/>
-                </a:solidFill>
-                <a:uFillTx/>
-                <a:latin typeface="Avenir Next LT Pro"/>
-              </a:rPr>
-              <a:t>28/01/2021</a:t>
-            </a:r>
-          </a:p>
-        </p:txBody>
-      </p:sp>
-      <p:sp>
-        <p:nvSpPr>
-          <p:cNvPr id="3" name="Marcador de Posição do Rodapé 2">
-            <a:extLst>
-              <a:ext uri="{FF2B5EF4-FFF2-40B4-BE49-F238E27FC236}">
-                <a16:creationId xmlns:a16="http://schemas.microsoft.com/office/drawing/2014/main" id="{B0F00CC9-83CE-4770-BF67-C1E0E7F6FA30}"/>
-              </a:ext>
-            </a:extLst>
-          </p:cNvPr>
-          <p:cNvSpPr txBox="1"/>
-          <p:nvPr/>
-        </p:nvSpPr>
-        <p:spPr>
-          <a:xfrm>
-            <a:off x="4038603" y="6356351"/>
-            <a:ext cx="4114800" cy="365129"/>
-          </a:xfrm>
-          <a:prstGeom prst="rect">
-            <a:avLst/>
-          </a:prstGeom>
-          <a:noFill/>
-          <a:ln cap="flat">
-            <a:noFill/>
-          </a:ln>
-        </p:spPr>
-        <p:txBody>
-          <a:bodyPr vert="horz" wrap="square" lIns="91440" tIns="45720" rIns="91440" bIns="45720" anchor="ctr" anchorCtr="1" compatLnSpc="1">
-            <a:noAutofit/>
-          </a:bodyPr>
-          <a:lstStyle/>
-          <a:p>
-            <a:pPr marL="0" marR="0" lvl="0" indent="0" algn="ctr" defTabSz="914400" rtl="0" fontAlgn="auto" hangingPunct="1">
-              <a:lnSpc>
-                <a:spcPct val="100000"/>
-              </a:lnSpc>
-              <a:spcBef>
-                <a:spcPts val="0"/>
-              </a:spcBef>
-              <a:spcAft>
-                <a:spcPts val="0"/>
-              </a:spcAft>
-              <a:buNone/>
-              <a:tabLst/>
-              <a:defRPr sz="1800" b="0" i="0" u="none" strike="noStrike" kern="0" cap="none" spc="0" baseline="0">
-                <a:solidFill>
-                  <a:srgbClr val="000000"/>
-                </a:solidFill>
-                <a:uFillTx/>
-              </a:defRPr>
-            </a:pPr>
-            <a:r>
-              <a:rPr lang="pt-PT" sz="1200" b="0" i="0" u="none" strike="noStrike" kern="1200" cap="none" spc="0" baseline="0">
-                <a:solidFill>
-                  <a:srgbClr val="898989"/>
-                </a:solidFill>
-                <a:uFillTx/>
-                <a:latin typeface="Avenir Next LT Pro"/>
-              </a:rPr>
-              <a:t>AED-Projeto 1</a:t>
-            </a:r>
-          </a:p>
-        </p:txBody>
-      </p:sp>
-      <p:sp>
-        <p:nvSpPr>
-          <p:cNvPr id="4" name="Marcador de Posição do Número do Diapositivo 3">
-            <a:extLst>
-              <a:ext uri="{FF2B5EF4-FFF2-40B4-BE49-F238E27FC236}">
-                <a16:creationId xmlns:a16="http://schemas.microsoft.com/office/drawing/2014/main" id="{FFA904C3-1625-4DC1-BA86-66F074D341D6}"/>
-              </a:ext>
-            </a:extLst>
-          </p:cNvPr>
-          <p:cNvSpPr txBox="1"/>
-          <p:nvPr/>
-        </p:nvSpPr>
-        <p:spPr>
-          <a:xfrm>
-            <a:off x="8610603" y="6356351"/>
-            <a:ext cx="2743200" cy="365129"/>
-          </a:xfrm>
-          <a:prstGeom prst="rect">
-            <a:avLst/>
-          </a:prstGeom>
-          <a:noFill/>
-          <a:ln cap="flat">
-            <a:noFill/>
-          </a:ln>
-        </p:spPr>
-        <p:txBody>
-          <a:bodyPr vert="horz" wrap="square" lIns="91440" tIns="45720" rIns="91440" bIns="45720" anchor="ctr" anchorCtr="0" compatLnSpc="1">
-            <a:noAutofit/>
-          </a:bodyPr>
-          <a:lstStyle/>
-          <a:p>
-            <a:pPr marL="0" marR="0" lvl="0" indent="0" algn="r" defTabSz="914400" rtl="0" fontAlgn="auto" hangingPunct="1">
-              <a:lnSpc>
-                <a:spcPct val="100000"/>
-              </a:lnSpc>
-              <a:spcBef>
-                <a:spcPts val="0"/>
-              </a:spcBef>
-              <a:spcAft>
-                <a:spcPts val="0"/>
-              </a:spcAft>
-              <a:buNone/>
-              <a:tabLst/>
-              <a:defRPr sz="1800" b="0" i="0" u="none" strike="noStrike" kern="0" cap="none" spc="0" baseline="0">
-                <a:solidFill>
-                  <a:srgbClr val="000000"/>
-                </a:solidFill>
-                <a:uFillTx/>
-              </a:defRPr>
-            </a:pPr>
-            <a:fld id="{7C825A05-8FA8-4F02-9A93-6DD21C5D020E}" type="slidenum">
-              <a:rPr/>
-              <a:t>10</a:t>
-            </a:fld>
-            <a:endParaRPr lang="pt-PT" sz="1200" b="0" i="0" u="none" strike="noStrike" kern="1200" cap="none" spc="0" baseline="0">
-              <a:solidFill>
-                <a:srgbClr val="898989"/>
-              </a:solidFill>
-              <a:uFillTx/>
-              <a:latin typeface="Avenir Next LT Pro"/>
-            </a:endParaRPr>
-          </a:p>
-        </p:txBody>
-      </p:sp>
-      <p:sp>
-        <p:nvSpPr>
-          <p:cNvPr id="5" name="CaixaDeTexto 4">
-            <a:extLst>
-              <a:ext uri="{FF2B5EF4-FFF2-40B4-BE49-F238E27FC236}">
-                <a16:creationId xmlns:a16="http://schemas.microsoft.com/office/drawing/2014/main" id="{689BEE45-D1D9-425E-9AF0-5927A89CE292}"/>
-              </a:ext>
-            </a:extLst>
-          </p:cNvPr>
-          <p:cNvSpPr txBox="1"/>
-          <p:nvPr/>
-        </p:nvSpPr>
-        <p:spPr>
-          <a:xfrm>
-            <a:off x="1987796" y="336213"/>
-            <a:ext cx="8216408" cy="523220"/>
-          </a:xfrm>
-          <a:prstGeom prst="rect">
-            <a:avLst/>
-          </a:prstGeom>
-          <a:noFill/>
-          <a:ln cap="flat">
-            <a:noFill/>
-          </a:ln>
-        </p:spPr>
-        <p:txBody>
-          <a:bodyPr vert="horz" wrap="square" lIns="91440" tIns="45720" rIns="91440" bIns="45720" anchor="t" anchorCtr="1" compatLnSpc="1">
-            <a:spAutoFit/>
-          </a:bodyPr>
-          <a:lstStyle/>
-          <a:p>
-            <a:pPr marL="0" marR="0" lvl="0" indent="0" algn="ctr" defTabSz="914400" rtl="0" fontAlgn="auto" hangingPunct="1">
-              <a:lnSpc>
-                <a:spcPct val="100000"/>
-              </a:lnSpc>
-              <a:spcBef>
-                <a:spcPts val="0"/>
-              </a:spcBef>
-              <a:spcAft>
-                <a:spcPts val="0"/>
-              </a:spcAft>
-              <a:buNone/>
-              <a:tabLst/>
-              <a:defRPr sz="1800" b="0" i="0" u="none" strike="noStrike" kern="0" cap="none" spc="0" baseline="0">
-                <a:solidFill>
-                  <a:srgbClr val="000000"/>
-                </a:solidFill>
-                <a:uFillTx/>
-              </a:defRPr>
-            </a:pPr>
-            <a:r>
-              <a:rPr lang="pt-PT" sz="2800" b="0" i="0" u="none" strike="noStrike" kern="1200" cap="none" spc="0" baseline="0" dirty="0">
-                <a:solidFill>
-                  <a:srgbClr val="000000"/>
-                </a:solidFill>
-                <a:uFillTx/>
-                <a:latin typeface="Avenir Next LT Pro"/>
-              </a:rPr>
-              <a:t>Destaque de funcionalidade</a:t>
-            </a:r>
-          </a:p>
-        </p:txBody>
-      </p:sp>
-      <p:cxnSp>
-        <p:nvCxnSpPr>
-          <p:cNvPr id="9" name="Conexão reta 8">
-            <a:extLst>
-              <a:ext uri="{FF2B5EF4-FFF2-40B4-BE49-F238E27FC236}">
-                <a16:creationId xmlns:a16="http://schemas.microsoft.com/office/drawing/2014/main" id="{C3F6D934-9A9B-4154-91B7-86274C20B11F}"/>
-              </a:ext>
-            </a:extLst>
-          </p:cNvPr>
-          <p:cNvCxnSpPr/>
-          <p:nvPr/>
-        </p:nvCxnSpPr>
-        <p:spPr>
-          <a:xfrm>
-            <a:off x="3736848" y="1048512"/>
-            <a:ext cx="4718304" cy="0"/>
-          </a:xfrm>
-          <a:prstGeom prst="line">
-            <a:avLst/>
-          </a:prstGeom>
-        </p:spPr>
-        <p:style>
-          <a:lnRef idx="1">
-            <a:schemeClr val="accent2"/>
-          </a:lnRef>
-          <a:fillRef idx="0">
-            <a:schemeClr val="accent2"/>
-          </a:fillRef>
-          <a:effectRef idx="0">
-            <a:schemeClr val="accent2"/>
-          </a:effectRef>
-          <a:fontRef idx="minor">
-            <a:schemeClr val="tx1"/>
-          </a:fontRef>
-        </p:style>
-      </p:cxnSp>
-      <p:pic>
-        <p:nvPicPr>
-          <p:cNvPr id="7" name="Imagem 6">
-            <a:extLst>
-              <a:ext uri="{FF2B5EF4-FFF2-40B4-BE49-F238E27FC236}">
-                <a16:creationId xmlns:a16="http://schemas.microsoft.com/office/drawing/2014/main" id="{AED79D08-6A43-4BB6-95E6-B443991E3D2D}"/>
-              </a:ext>
-            </a:extLst>
-          </p:cNvPr>
-          <p:cNvPicPr>
-            <a:picLocks noChangeAspect="1"/>
-          </p:cNvPicPr>
-          <p:nvPr/>
-        </p:nvPicPr>
-        <p:blipFill>
-          <a:blip r:embed="rId2"/>
-          <a:stretch>
-            <a:fillRect/>
-          </a:stretch>
-        </p:blipFill>
-        <p:spPr>
-          <a:xfrm>
-            <a:off x="6251044" y="1561826"/>
-            <a:ext cx="5545622" cy="4092132"/>
-          </a:xfrm>
-          <a:prstGeom prst="rect">
-            <a:avLst/>
-          </a:prstGeom>
-        </p:spPr>
-      </p:pic>
-      <p:sp>
-        <p:nvSpPr>
-          <p:cNvPr id="14" name="CaixaDeTexto 13">
-            <a:extLst>
-              <a:ext uri="{FF2B5EF4-FFF2-40B4-BE49-F238E27FC236}">
-                <a16:creationId xmlns:a16="http://schemas.microsoft.com/office/drawing/2014/main" id="{C5E20A78-6D79-4953-B9E4-5EA666787185}"/>
-              </a:ext>
-            </a:extLst>
-          </p:cNvPr>
-          <p:cNvSpPr txBox="1"/>
-          <p:nvPr/>
-        </p:nvSpPr>
-        <p:spPr>
-          <a:xfrm>
-            <a:off x="461726" y="1895063"/>
-            <a:ext cx="4418091" cy="400110"/>
-          </a:xfrm>
-          <a:prstGeom prst="rect">
-            <a:avLst/>
-          </a:prstGeom>
-          <a:noFill/>
-        </p:spPr>
-        <p:txBody>
-          <a:bodyPr wrap="square" rtlCol="0">
-            <a:spAutoFit/>
-          </a:bodyPr>
-          <a:lstStyle/>
-          <a:p>
-            <a:r>
-              <a:rPr lang="pt-PT" dirty="0"/>
-              <a:t>Após a </a:t>
-            </a:r>
-            <a:r>
-              <a:rPr lang="pt-PT" sz="2000" dirty="0"/>
-              <a:t>conclusão</a:t>
-            </a:r>
-            <a:r>
-              <a:rPr lang="pt-PT" dirty="0"/>
-              <a:t> do projeto, destacamos:</a:t>
-            </a:r>
-          </a:p>
-        </p:txBody>
-      </p:sp>
-      <p:sp>
-        <p:nvSpPr>
-          <p:cNvPr id="19" name="CaixaDeTexto 18">
-            <a:extLst>
-              <a:ext uri="{FF2B5EF4-FFF2-40B4-BE49-F238E27FC236}">
-                <a16:creationId xmlns:a16="http://schemas.microsoft.com/office/drawing/2014/main" id="{EE0F553B-5EBB-4F67-909B-2669755B13BF}"/>
-              </a:ext>
-            </a:extLst>
-          </p:cNvPr>
-          <p:cNvSpPr txBox="1"/>
-          <p:nvPr/>
-        </p:nvSpPr>
-        <p:spPr>
-          <a:xfrm>
-            <a:off x="552260" y="2740018"/>
-            <a:ext cx="4517679" cy="369332"/>
-          </a:xfrm>
-          <a:prstGeom prst="rect">
-            <a:avLst/>
-          </a:prstGeom>
-          <a:noFill/>
-        </p:spPr>
-        <p:txBody>
-          <a:bodyPr wrap="square" rtlCol="0">
-            <a:spAutoFit/>
-          </a:bodyPr>
-          <a:lstStyle/>
-          <a:p>
-            <a:r>
-              <a:rPr lang="pt-PT" dirty="0"/>
-              <a:t>Facilidade e </a:t>
-            </a:r>
-            <a:r>
-              <a:rPr lang="pt-PT" dirty="0" err="1"/>
-              <a:t>intuitividade</a:t>
-            </a:r>
-            <a:r>
-              <a:rPr lang="pt-PT" dirty="0"/>
-              <a:t> do menu</a:t>
-            </a:r>
-          </a:p>
-        </p:txBody>
-      </p:sp>
-      <p:sp>
-        <p:nvSpPr>
-          <p:cNvPr id="20" name="CaixaDeTexto 19">
-            <a:extLst>
-              <a:ext uri="{FF2B5EF4-FFF2-40B4-BE49-F238E27FC236}">
-                <a16:creationId xmlns:a16="http://schemas.microsoft.com/office/drawing/2014/main" id="{3FF19810-1F3D-463D-8B79-AB8B98F7959B}"/>
-              </a:ext>
-            </a:extLst>
-          </p:cNvPr>
-          <p:cNvSpPr txBox="1"/>
-          <p:nvPr/>
-        </p:nvSpPr>
-        <p:spPr>
-          <a:xfrm>
-            <a:off x="552260" y="3527723"/>
-            <a:ext cx="4698749" cy="646331"/>
-          </a:xfrm>
-          <a:prstGeom prst="rect">
-            <a:avLst/>
-          </a:prstGeom>
-          <a:noFill/>
-        </p:spPr>
-        <p:txBody>
-          <a:bodyPr wrap="square" rtlCol="0">
-            <a:spAutoFit/>
-          </a:bodyPr>
-          <a:lstStyle/>
-          <a:p>
-            <a:r>
-              <a:rPr lang="pt-PT" dirty="0"/>
-              <a:t>Documentação e representação gráfica de chamadas para melhor entendimento do código</a:t>
-            </a:r>
-          </a:p>
-        </p:txBody>
-      </p:sp>
-      <p:sp>
-        <p:nvSpPr>
-          <p:cNvPr id="21" name="CaixaDeTexto 20">
-            <a:extLst>
-              <a:ext uri="{FF2B5EF4-FFF2-40B4-BE49-F238E27FC236}">
-                <a16:creationId xmlns:a16="http://schemas.microsoft.com/office/drawing/2014/main" id="{548790DE-3C8E-4499-A0FA-9A2F241B16AA}"/>
-              </a:ext>
-            </a:extLst>
-          </p:cNvPr>
-          <p:cNvSpPr txBox="1"/>
-          <p:nvPr/>
-        </p:nvSpPr>
-        <p:spPr>
-          <a:xfrm>
-            <a:off x="552260" y="4589717"/>
-            <a:ext cx="4698749" cy="369332"/>
-          </a:xfrm>
-          <a:prstGeom prst="rect">
-            <a:avLst/>
-          </a:prstGeom>
-          <a:noFill/>
-        </p:spPr>
-        <p:txBody>
-          <a:bodyPr wrap="square" rtlCol="0">
-            <a:spAutoFit/>
-          </a:bodyPr>
-          <a:lstStyle/>
-          <a:p>
-            <a:r>
-              <a:rPr lang="pt-PT" dirty="0"/>
-              <a:t>Simplicidade do código e algoritmos usados</a:t>
-            </a:r>
-          </a:p>
-        </p:txBody>
-      </p:sp>
-    </p:spTree>
-  </p:cSld>
-  <p:clrMapOvr>
-    <a:masterClrMapping/>
-  </p:clrMapOvr>
-</p:sld>
-</file>
-
-<file path=ppt/slides/slide11.xml><?xml version="1.0" encoding="utf-8"?>
-<p:sld xmlns:a="http://schemas.openxmlformats.org/drawingml/2006/main" xmlns:r="http://schemas.openxmlformats.org/officeDocument/2006/relationships" xmlns:p="http://schemas.openxmlformats.org/presentationml/2006/main">
   <p:cSld name="Slide102">
     <p:spTree>
       <p:nvGrpSpPr>
@@ -9888,7 +9387,7 @@
               </a:defRPr>
             </a:pPr>
             <a:fld id="{20D4CB04-9B6E-40DE-859F-E17F6993D5D4}" type="slidenum">
-              <a:t>11</a:t>
+              <a:t>10</a:t>
             </a:fld>
             <a:endParaRPr lang="pt-PT" sz="1200" b="0" i="0" u="none" strike="noStrike" kern="1200" cap="none" spc="0" baseline="0">
               <a:solidFill>
@@ -13211,8 +12710,8 @@
         </p:nvSpPr>
         <p:spPr>
           <a:xfrm>
-            <a:off x="562925" y="2362347"/>
-            <a:ext cx="4500009" cy="646331"/>
+            <a:off x="676751" y="2192520"/>
+            <a:ext cx="4500009" cy="923330"/>
           </a:xfrm>
           <a:prstGeom prst="rect">
             <a:avLst/>
@@ -13227,17 +12726,17 @@
           <a:p>
             <a:r>
               <a:rPr lang="pt-PT" dirty="0"/>
-              <a:t>É possível modificar a distância passível de percorrer a pé</a:t>
+              <a:t>Após a escolha de um método de cálculo de percurso é-nos apresentado o percurso calculado e algumas informações:</a:t>
             </a:r>
           </a:p>
         </p:txBody>
       </p:sp>
       <p:pic>
         <p:nvPicPr>
-          <p:cNvPr id="8" name="Imagem 7">
-            <a:extLst>
-              <a:ext uri="{FF2B5EF4-FFF2-40B4-BE49-F238E27FC236}">
-                <a16:creationId xmlns:a16="http://schemas.microsoft.com/office/drawing/2014/main" id="{9416F645-FE63-4067-A028-9B448F03565B}"/>
+          <p:cNvPr id="9" name="Imagem 8">
+            <a:extLst>
+              <a:ext uri="{FF2B5EF4-FFF2-40B4-BE49-F238E27FC236}">
+                <a16:creationId xmlns:a16="http://schemas.microsoft.com/office/drawing/2014/main" id="{D31509DD-A523-4529-BE14-D4A8E7ABEBB8}"/>
               </a:ext>
             </a:extLst>
           </p:cNvPr>
@@ -13254,8 +12753,8 @@
         </p:blipFill>
         <p:spPr>
           <a:xfrm>
-            <a:off x="5355999" y="1574695"/>
-            <a:ext cx="6670992" cy="4359788"/>
+            <a:off x="5954903" y="1440166"/>
+            <a:ext cx="5560346" cy="4791268"/>
           </a:xfrm>
           <a:prstGeom prst="rect">
             <a:avLst/>
@@ -13264,10 +12763,10 @@
       </p:pic>
       <p:sp>
         <p:nvSpPr>
-          <p:cNvPr id="12" name="CaixaDeTexto 11">
-            <a:extLst>
-              <a:ext uri="{FF2B5EF4-FFF2-40B4-BE49-F238E27FC236}">
-                <a16:creationId xmlns:a16="http://schemas.microsoft.com/office/drawing/2014/main" id="{92B816D1-410A-4399-9A4D-64B481B719ED}"/>
+          <p:cNvPr id="10" name="CaixaDeTexto 9">
+            <a:extLst>
+              <a:ext uri="{FF2B5EF4-FFF2-40B4-BE49-F238E27FC236}">
+                <a16:creationId xmlns:a16="http://schemas.microsoft.com/office/drawing/2014/main" id="{4B637E25-8F03-465A-B643-721AA2F5B43D}"/>
               </a:ext>
             </a:extLst>
           </p:cNvPr>
@@ -13276,8 +12775,8 @@
         </p:nvSpPr>
         <p:spPr>
           <a:xfrm>
-            <a:off x="562925" y="3164837"/>
-            <a:ext cx="4500009" cy="1200329"/>
+            <a:off x="838203" y="3164369"/>
+            <a:ext cx="3371658" cy="1107996"/>
           </a:xfrm>
           <a:prstGeom prst="rect">
             <a:avLst/>
@@ -13295,8 +12794,8 @@
               <a:buChar char="•"/>
             </a:pPr>
             <a:r>
-              <a:rPr lang="pt-PT" dirty="0"/>
-              <a:t>O grafo é reconstruído</a:t>
+              <a:rPr lang="pt-PT" sz="1600" dirty="0"/>
+              <a:t>Contagem de paragens utilizadas</a:t>
             </a:r>
           </a:p>
           <a:p>
@@ -13305,16 +12804,67 @@
               <a:buChar char="•"/>
             </a:pPr>
             <a:r>
+              <a:rPr lang="pt-PT" sz="1600" dirty="0"/>
+              <a:t>Linhas/zonas utilizadas (apenas no caso dos algoritmos (2) e (3)</a:t>
+            </a:r>
+          </a:p>
+          <a:p>
+            <a:pPr marL="285750" indent="-285750">
+              <a:buFont typeface="Arial" panose="020B0604020202020204" pitchFamily="34" charset="0"/>
+              <a:buChar char="•"/>
+            </a:pPr>
+            <a:r>
+              <a:rPr lang="pt-PT" sz="1600" dirty="0"/>
+              <a:t>Distância percorrida</a:t>
+            </a:r>
+          </a:p>
+        </p:txBody>
+      </p:sp>
+      <p:sp>
+        <p:nvSpPr>
+          <p:cNvPr id="13" name="CaixaDeTexto 12">
+            <a:extLst>
+              <a:ext uri="{FF2B5EF4-FFF2-40B4-BE49-F238E27FC236}">
+                <a16:creationId xmlns:a16="http://schemas.microsoft.com/office/drawing/2014/main" id="{35706C04-C9F3-4A70-A848-649437235EB4}"/>
+              </a:ext>
+            </a:extLst>
+          </p:cNvPr>
+          <p:cNvSpPr txBox="1"/>
+          <p:nvPr/>
+        </p:nvSpPr>
+        <p:spPr>
+          <a:xfrm>
+            <a:off x="676750" y="4590180"/>
+            <a:ext cx="4500009" cy="1107996"/>
+          </a:xfrm>
+          <a:prstGeom prst="rect">
+            <a:avLst/>
+          </a:prstGeom>
+          <a:noFill/>
+        </p:spPr>
+        <p:txBody>
+          <a:bodyPr wrap="square" rtlCol="0">
+            <a:spAutoFit/>
+          </a:bodyPr>
+          <a:lstStyle/>
+          <a:p>
+            <a:r>
               <a:rPr lang="pt-PT" dirty="0"/>
-              <a:t>São adicionadas </a:t>
-            </a:r>
-            <a:r>
-              <a:rPr lang="pt-PT" dirty="0" err="1"/>
-              <a:t>edges</a:t>
-            </a:r>
-            <a:r>
-              <a:rPr lang="pt-PT" dirty="0"/>
-              <a:t> se se verificar que a distância entre a paragem a e b é menor que a distância escolhida</a:t>
+              <a:t>Arquitetura de código modular:</a:t>
+            </a:r>
+          </a:p>
+          <a:p>
+            <a:r>
+              <a:rPr lang="pt-PT" sz="1600" dirty="0"/>
+              <a:t>A informação obtida de qualquer um dos algoritmos é adaptada para ser demonstrada através do método </a:t>
+            </a:r>
+            <a:r>
+              <a:rPr lang="pt-PT" sz="1600" dirty="0" err="1"/>
+              <a:t>tripMenu</a:t>
+            </a:r>
+            <a:r>
+              <a:rPr lang="pt-PT" sz="1600" dirty="0"/>
+              <a:t>(), o menu que vemos na imagem</a:t>
             </a:r>
           </a:p>
         </p:txBody>
@@ -13322,7 +12872,7 @@
     </p:spTree>
     <p:extLst>
       <p:ext uri="{BB962C8B-B14F-4D97-AF65-F5344CB8AC3E}">
-        <p14:creationId xmlns:p14="http://schemas.microsoft.com/office/powerpoint/2010/main" val="1632247968"/>
+        <p14:creationId xmlns:p14="http://schemas.microsoft.com/office/powerpoint/2010/main" val="14567487"/>
       </p:ext>
     </p:extLst>
   </p:cSld>
@@ -13334,7 +12884,7 @@
 
 <file path=ppt/slides/slide9.xml><?xml version="1.0" encoding="utf-8"?>
 <p:sld xmlns:a="http://schemas.openxmlformats.org/drawingml/2006/main" xmlns:r="http://schemas.openxmlformats.org/officeDocument/2006/relationships" xmlns:p="http://schemas.openxmlformats.org/presentationml/2006/main">
-  <p:cSld>
+  <p:cSld name="Slide113">
     <p:spTree>
       <p:nvGrpSpPr>
         <p:cNvPr id="1" name=""/>
@@ -13354,7 +12904,7 @@
           <p:cNvPr id="2" name="Marcador de Posição da Data 1">
             <a:extLst>
               <a:ext uri="{FF2B5EF4-FFF2-40B4-BE49-F238E27FC236}">
-                <a16:creationId xmlns:a16="http://schemas.microsoft.com/office/drawing/2014/main" id="{4DE0EB75-D84F-4DF2-A0AB-78F31B84DB49}"/>
+                <a16:creationId xmlns:a16="http://schemas.microsoft.com/office/drawing/2014/main" id="{98E94B04-124F-4780-9F1A-13DEFC4FE480}"/>
               </a:ext>
             </a:extLst>
           </p:cNvPr>
@@ -13417,7 +12967,7 @@
           <p:cNvPr id="3" name="Marcador de Posição do Rodapé 2">
             <a:extLst>
               <a:ext uri="{FF2B5EF4-FFF2-40B4-BE49-F238E27FC236}">
-                <a16:creationId xmlns:a16="http://schemas.microsoft.com/office/drawing/2014/main" id="{0FEE6978-CCF8-4D17-99AC-41BBBB8726E6}"/>
+                <a16:creationId xmlns:a16="http://schemas.microsoft.com/office/drawing/2014/main" id="{B0F00CC9-83CE-4770-BF67-C1E0E7F6FA30}"/>
               </a:ext>
             </a:extLst>
           </p:cNvPr>
@@ -13480,7 +13030,7 @@
           <p:cNvPr id="4" name="Marcador de Posição do Número do Diapositivo 3">
             <a:extLst>
               <a:ext uri="{FF2B5EF4-FFF2-40B4-BE49-F238E27FC236}">
-                <a16:creationId xmlns:a16="http://schemas.microsoft.com/office/drawing/2014/main" id="{550D55B6-4457-420D-A2F3-6D3E9F642C13}"/>
+                <a16:creationId xmlns:a16="http://schemas.microsoft.com/office/drawing/2014/main" id="{FFA904C3-1625-4DC1-BA86-66F074D341D6}"/>
               </a:ext>
             </a:extLst>
           </p:cNvPr>
@@ -13525,7 +13075,8 @@
                 <a:uFillTx/>
               </a:defRPr>
             </a:pPr>
-            <a:fld id="{1E9DA06D-6DF4-49DF-A10F-28E1CC57A5EA}" type="slidenum">
+            <a:fld id="{7C825A05-8FA8-4F02-9A93-6DD21C5D020E}" type="slidenum">
+              <a:rPr/>
               <a:t>9</a:t>
             </a:fld>
             <a:endParaRPr lang="pt-PT" sz="1200" b="0" i="0" u="none" strike="noStrike" kern="1200" cap="none" spc="0" baseline="0">
@@ -13543,7 +13094,7 @@
           <p:cNvPr id="5" name="CaixaDeTexto 4">
             <a:extLst>
               <a:ext uri="{FF2B5EF4-FFF2-40B4-BE49-F238E27FC236}">
-                <a16:creationId xmlns:a16="http://schemas.microsoft.com/office/drawing/2014/main" id="{7D17B49F-7501-49BD-A16F-385263C41BD0}"/>
+                <a16:creationId xmlns:a16="http://schemas.microsoft.com/office/drawing/2014/main" id="{689BEE45-D1D9-425E-9AF0-5927A89CE292}"/>
               </a:ext>
             </a:extLst>
           </p:cNvPr>
@@ -13552,8 +13103,8 @@
         </p:nvSpPr>
         <p:spPr>
           <a:xfrm>
-            <a:off x="2812930" y="338821"/>
-            <a:ext cx="6566140" cy="584775"/>
+            <a:off x="1987796" y="336213"/>
+            <a:ext cx="8216408" cy="523220"/>
           </a:xfrm>
           <a:prstGeom prst="rect">
             <a:avLst/>
@@ -13589,30 +13140,24 @@
               </a:defRPr>
             </a:pPr>
             <a:r>
-              <a:rPr lang="pt-PT" sz="3200" dirty="0">
+              <a:rPr lang="pt-PT" sz="2800" b="0" i="0" u="none" strike="noStrike" kern="1200" cap="none" spc="0" baseline="0" dirty="0">
                 <a:solidFill>
                   <a:srgbClr val="000000"/>
                 </a:solidFill>
+                <a:uFillTx/>
                 <a:latin typeface="Avenir Next LT Pro"/>
               </a:rPr>
-              <a:t>Funcionalidades implementadas</a:t>
-            </a:r>
-            <a:endParaRPr lang="pt-PT" sz="2800" b="0" i="0" u="none" strike="noStrike" kern="1200" cap="none" spc="0" baseline="0" dirty="0">
-              <a:solidFill>
-                <a:srgbClr val="000000"/>
-              </a:solidFill>
-              <a:uFillTx/>
-              <a:latin typeface="Avenir Next LT Pro"/>
-            </a:endParaRPr>
+              <a:t>Destaque de funcionalidade</a:t>
+            </a:r>
           </a:p>
         </p:txBody>
       </p:sp>
       <p:cxnSp>
         <p:nvCxnSpPr>
-          <p:cNvPr id="7" name="Conexão reta 6">
-            <a:extLst>
-              <a:ext uri="{FF2B5EF4-FFF2-40B4-BE49-F238E27FC236}">
-                <a16:creationId xmlns:a16="http://schemas.microsoft.com/office/drawing/2014/main" id="{FF19A683-66F1-4D9D-BE87-EE69D7C04042}"/>
+          <p:cNvPr id="9" name="Conexão reta 8">
+            <a:extLst>
+              <a:ext uri="{FF2B5EF4-FFF2-40B4-BE49-F238E27FC236}">
+                <a16:creationId xmlns:a16="http://schemas.microsoft.com/office/drawing/2014/main" id="{C3F6D934-9A9B-4154-91B7-86274C20B11F}"/>
               </a:ext>
             </a:extLst>
           </p:cNvPr>
@@ -13643,47 +13188,12 @@
           </a:fontRef>
         </p:style>
       </p:cxnSp>
-      <p:sp>
-        <p:nvSpPr>
-          <p:cNvPr id="22" name="CaixaDeTexto 21">
-            <a:extLst>
-              <a:ext uri="{FF2B5EF4-FFF2-40B4-BE49-F238E27FC236}">
-                <a16:creationId xmlns:a16="http://schemas.microsoft.com/office/drawing/2014/main" id="{4C356062-41B3-48B1-8AC3-61CAF579E724}"/>
-              </a:ext>
-            </a:extLst>
-          </p:cNvPr>
-          <p:cNvSpPr txBox="1"/>
-          <p:nvPr/>
-        </p:nvSpPr>
-        <p:spPr>
-          <a:xfrm>
-            <a:off x="676751" y="2192520"/>
-            <a:ext cx="4500009" cy="923330"/>
-          </a:xfrm>
-          <a:prstGeom prst="rect">
-            <a:avLst/>
-          </a:prstGeom>
-          <a:noFill/>
-        </p:spPr>
-        <p:txBody>
-          <a:bodyPr wrap="square" rtlCol="0">
-            <a:spAutoFit/>
-          </a:bodyPr>
-          <a:lstStyle/>
-          <a:p>
-            <a:r>
-              <a:rPr lang="pt-PT" dirty="0"/>
-              <a:t>Após a escolha de um método de cálculo de percurso é-nos apresentado o percurso calculado e algumas informações:</a:t>
-            </a:r>
-          </a:p>
-        </p:txBody>
-      </p:sp>
       <p:pic>
         <p:nvPicPr>
-          <p:cNvPr id="9" name="Imagem 8">
-            <a:extLst>
-              <a:ext uri="{FF2B5EF4-FFF2-40B4-BE49-F238E27FC236}">
-                <a16:creationId xmlns:a16="http://schemas.microsoft.com/office/drawing/2014/main" id="{D31509DD-A523-4529-BE14-D4A8E7ABEBB8}"/>
+          <p:cNvPr id="7" name="Imagem 6">
+            <a:extLst>
+              <a:ext uri="{FF2B5EF4-FFF2-40B4-BE49-F238E27FC236}">
+                <a16:creationId xmlns:a16="http://schemas.microsoft.com/office/drawing/2014/main" id="{AED79D08-6A43-4BB6-95E6-B443991E3D2D}"/>
               </a:ext>
             </a:extLst>
           </p:cNvPr>
@@ -13700,8 +13210,8 @@
         </p:blipFill>
         <p:spPr>
           <a:xfrm>
-            <a:off x="5954903" y="1440166"/>
-            <a:ext cx="5560346" cy="4791268"/>
+            <a:off x="6251044" y="1561826"/>
+            <a:ext cx="5545622" cy="4092132"/>
           </a:xfrm>
           <a:prstGeom prst="rect">
             <a:avLst/>
@@ -13710,10 +13220,10 @@
       </p:pic>
       <p:sp>
         <p:nvSpPr>
-          <p:cNvPr id="10" name="CaixaDeTexto 9">
-            <a:extLst>
-              <a:ext uri="{FF2B5EF4-FFF2-40B4-BE49-F238E27FC236}">
-                <a16:creationId xmlns:a16="http://schemas.microsoft.com/office/drawing/2014/main" id="{4B637E25-8F03-465A-B643-721AA2F5B43D}"/>
+          <p:cNvPr id="14" name="CaixaDeTexto 13">
+            <a:extLst>
+              <a:ext uri="{FF2B5EF4-FFF2-40B4-BE49-F238E27FC236}">
+                <a16:creationId xmlns:a16="http://schemas.microsoft.com/office/drawing/2014/main" id="{C5E20A78-6D79-4953-B9E4-5EA666787185}"/>
               </a:ext>
             </a:extLst>
           </p:cNvPr>
@@ -13722,8 +13232,8 @@
         </p:nvSpPr>
         <p:spPr>
           <a:xfrm>
-            <a:off x="838203" y="3164369"/>
-            <a:ext cx="3371658" cy="1107996"/>
+            <a:off x="461726" y="1895063"/>
+            <a:ext cx="4418091" cy="400110"/>
           </a:xfrm>
           <a:prstGeom prst="rect">
             <a:avLst/>
@@ -13736,43 +13246,27 @@
           </a:bodyPr>
           <a:lstStyle/>
           <a:p>
-            <a:pPr marL="285750" indent="-285750">
-              <a:buFont typeface="Arial" panose="020B0604020202020204" pitchFamily="34" charset="0"/>
-              <a:buChar char="•"/>
-            </a:pPr>
-            <a:r>
-              <a:rPr lang="pt-PT" sz="1600" dirty="0"/>
-              <a:t>Contagem de paragens utilizadas</a:t>
-            </a:r>
-          </a:p>
-          <a:p>
-            <a:pPr marL="285750" indent="-285750">
-              <a:buFont typeface="Arial" panose="020B0604020202020204" pitchFamily="34" charset="0"/>
-              <a:buChar char="•"/>
-            </a:pPr>
-            <a:r>
-              <a:rPr lang="pt-PT" sz="1600" dirty="0"/>
-              <a:t>Linhas/zonas utilizadas (apenas no caso dos algoritmos (2) e (3)</a:t>
-            </a:r>
-          </a:p>
-          <a:p>
-            <a:pPr marL="285750" indent="-285750">
-              <a:buFont typeface="Arial" panose="020B0604020202020204" pitchFamily="34" charset="0"/>
-              <a:buChar char="•"/>
-            </a:pPr>
-            <a:r>
-              <a:rPr lang="pt-PT" sz="1600" dirty="0"/>
-              <a:t>Distância percorrida</a:t>
-            </a:r>
-          </a:p>
-        </p:txBody>
-      </p:sp>
-      <p:sp>
-        <p:nvSpPr>
-          <p:cNvPr id="13" name="CaixaDeTexto 12">
-            <a:extLst>
-              <a:ext uri="{FF2B5EF4-FFF2-40B4-BE49-F238E27FC236}">
-                <a16:creationId xmlns:a16="http://schemas.microsoft.com/office/drawing/2014/main" id="{35706C04-C9F3-4A70-A848-649437235EB4}"/>
+            <a:r>
+              <a:rPr lang="pt-PT" dirty="0"/>
+              <a:t>Após a </a:t>
+            </a:r>
+            <a:r>
+              <a:rPr lang="pt-PT" sz="2000" dirty="0"/>
+              <a:t>conclusão</a:t>
+            </a:r>
+            <a:r>
+              <a:rPr lang="pt-PT" dirty="0"/>
+              <a:t> do projeto, destacamos:</a:t>
+            </a:r>
+          </a:p>
+        </p:txBody>
+      </p:sp>
+      <p:sp>
+        <p:nvSpPr>
+          <p:cNvPr id="19" name="CaixaDeTexto 18">
+            <a:extLst>
+              <a:ext uri="{FF2B5EF4-FFF2-40B4-BE49-F238E27FC236}">
+                <a16:creationId xmlns:a16="http://schemas.microsoft.com/office/drawing/2014/main" id="{EE0F553B-5EBB-4F67-909B-2669755B13BF}"/>
               </a:ext>
             </a:extLst>
           </p:cNvPr>
@@ -13781,8 +13275,8 @@
         </p:nvSpPr>
         <p:spPr>
           <a:xfrm>
-            <a:off x="676750" y="4590180"/>
-            <a:ext cx="4500009" cy="1107996"/>
+            <a:off x="552260" y="2740018"/>
+            <a:ext cx="4517679" cy="369332"/>
           </a:xfrm>
           <a:prstGeom prst="rect">
             <a:avLst/>
@@ -13797,31 +13291,90 @@
           <a:p>
             <a:r>
               <a:rPr lang="pt-PT" dirty="0"/>
-              <a:t>Arquitetura de código modular:</a:t>
-            </a:r>
-          </a:p>
-          <a:p>
-            <a:r>
-              <a:rPr lang="pt-PT" sz="1600" dirty="0"/>
-              <a:t>A informação obtida de qualquer um dos algoritmos é adaptada para ser demonstrada através do método </a:t>
-            </a:r>
-            <a:r>
-              <a:rPr lang="pt-PT" sz="1600" dirty="0" err="1"/>
-              <a:t>tripMenu</a:t>
-            </a:r>
-            <a:r>
-              <a:rPr lang="pt-PT" sz="1600" dirty="0"/>
-              <a:t>(), o menu que vemos na imagem</a:t>
+              <a:t>Facilidade e </a:t>
+            </a:r>
+            <a:r>
+              <a:rPr lang="pt-PT" dirty="0" err="1"/>
+              <a:t>intuitividade</a:t>
+            </a:r>
+            <a:r>
+              <a:rPr lang="pt-PT" dirty="0"/>
+              <a:t> do menu</a:t>
+            </a:r>
+          </a:p>
+        </p:txBody>
+      </p:sp>
+      <p:sp>
+        <p:nvSpPr>
+          <p:cNvPr id="20" name="CaixaDeTexto 19">
+            <a:extLst>
+              <a:ext uri="{FF2B5EF4-FFF2-40B4-BE49-F238E27FC236}">
+                <a16:creationId xmlns:a16="http://schemas.microsoft.com/office/drawing/2014/main" id="{3FF19810-1F3D-463D-8B79-AB8B98F7959B}"/>
+              </a:ext>
+            </a:extLst>
+          </p:cNvPr>
+          <p:cNvSpPr txBox="1"/>
+          <p:nvPr/>
+        </p:nvSpPr>
+        <p:spPr>
+          <a:xfrm>
+            <a:off x="552260" y="3519183"/>
+            <a:ext cx="4698749" cy="646331"/>
+          </a:xfrm>
+          <a:prstGeom prst="rect">
+            <a:avLst/>
+          </a:prstGeom>
+          <a:noFill/>
+        </p:spPr>
+        <p:txBody>
+          <a:bodyPr wrap="square" rtlCol="0">
+            <a:spAutoFit/>
+          </a:bodyPr>
+          <a:lstStyle/>
+          <a:p>
+            <a:r>
+              <a:rPr lang="pt-PT" dirty="0"/>
+              <a:t>Documentação e representação gráfica de chamadas para melhor entendimento do código</a:t>
+            </a:r>
+          </a:p>
+        </p:txBody>
+      </p:sp>
+      <p:sp>
+        <p:nvSpPr>
+          <p:cNvPr id="21" name="CaixaDeTexto 20">
+            <a:extLst>
+              <a:ext uri="{FF2B5EF4-FFF2-40B4-BE49-F238E27FC236}">
+                <a16:creationId xmlns:a16="http://schemas.microsoft.com/office/drawing/2014/main" id="{548790DE-3C8E-4499-A0FA-9A2F241B16AA}"/>
+              </a:ext>
+            </a:extLst>
+          </p:cNvPr>
+          <p:cNvSpPr txBox="1"/>
+          <p:nvPr/>
+        </p:nvSpPr>
+        <p:spPr>
+          <a:xfrm>
+            <a:off x="552260" y="4589717"/>
+            <a:ext cx="4698749" cy="369332"/>
+          </a:xfrm>
+          <a:prstGeom prst="rect">
+            <a:avLst/>
+          </a:prstGeom>
+          <a:noFill/>
+        </p:spPr>
+        <p:txBody>
+          <a:bodyPr wrap="square" rtlCol="0">
+            <a:spAutoFit/>
+          </a:bodyPr>
+          <a:lstStyle/>
+          <a:p>
+            <a:r>
+              <a:rPr lang="pt-PT" dirty="0"/>
+              <a:t>Simplicidade do código e algoritmos usados</a:t>
             </a:r>
           </a:p>
         </p:txBody>
       </p:sp>
     </p:spTree>
-    <p:extLst>
-      <p:ext uri="{BB962C8B-B14F-4D97-AF65-F5344CB8AC3E}">
-        <p14:creationId xmlns:p14="http://schemas.microsoft.com/office/powerpoint/2010/main" val="14567487"/>
-      </p:ext>
-    </p:extLst>
   </p:cSld>
   <p:clrMapOvr>
     <a:masterClrMapping/>

--- a/AED - STCP G10.pptx
+++ b/AED - STCP G10.pptx
@@ -297,7 +297,7 @@
                   <a:uFillTx/>
                 </a:defRPr>
               </a:pPr>
-              <a:t>30/01/2022</a:t>
+              <a:t>14/02/2022</a:t>
             </a:fld>
             <a:endParaRPr lang="pt-PT" sz="1200" b="0" i="0" u="none" strike="noStrike" kern="1200" cap="none" spc="0" baseline="0">
               <a:solidFill>
@@ -597,7 +597,7 @@
             <a:fld id="{A2E76D45-053B-4F52-AE01-1A40FEA41188}" type="datetime1">
               <a:rPr lang="pt-PT"/>
               <a:pPr lvl="0"/>
-              <a:t>30/01/2022</a:t>
+              <a:t>14/02/2022</a:t>
             </a:fld>
             <a:endParaRPr lang="pt-PT"/>
           </a:p>
@@ -8975,7 +8975,7 @@
               <a:buNone/>
             </a:pPr>
             <a:r>
-              <a:rPr lang="pt-PT" sz="2400" b="1" u="sng" dirty="0"/>
+              <a:rPr lang="pt-PT" sz="2400" b="1" dirty="0"/>
               <a:t>Diogo Costa up202007770</a:t>
             </a:r>
           </a:p>
@@ -10376,386 +10376,6 @@
           </a:fontRef>
         </p:style>
       </p:cxnSp>
-      <p:sp>
-        <p:nvSpPr>
-          <p:cNvPr id="6" name="CaixaDeTexto 5">
-            <a:extLst>
-              <a:ext uri="{FF2B5EF4-FFF2-40B4-BE49-F238E27FC236}">
-                <a16:creationId xmlns:a16="http://schemas.microsoft.com/office/drawing/2014/main" id="{1842A857-720B-4BBA-BCF0-16C4B1CB2BDC}"/>
-              </a:ext>
-            </a:extLst>
-          </p:cNvPr>
-          <p:cNvSpPr txBox="1"/>
-          <p:nvPr/>
-        </p:nvSpPr>
-        <p:spPr>
-          <a:xfrm>
-            <a:off x="325923" y="1341045"/>
-            <a:ext cx="6183516" cy="584775"/>
-          </a:xfrm>
-          <a:prstGeom prst="rect">
-            <a:avLst/>
-          </a:prstGeom>
-          <a:noFill/>
-        </p:spPr>
-        <p:txBody>
-          <a:bodyPr wrap="square" rtlCol="0">
-            <a:spAutoFit/>
-          </a:bodyPr>
-          <a:lstStyle/>
-          <a:p>
-            <a:r>
-              <a:rPr lang="pt-PT" sz="1600" dirty="0"/>
-              <a:t>A leitura do </a:t>
-            </a:r>
-            <a:r>
-              <a:rPr lang="pt-PT" sz="1600" dirty="0" err="1"/>
-              <a:t>dataset</a:t>
-            </a:r>
-            <a:r>
-              <a:rPr lang="pt-PT" sz="1600" dirty="0"/>
-              <a:t> é efetuada pelos métodos </a:t>
-            </a:r>
-            <a:r>
-              <a:rPr lang="pt-PT" sz="1600" dirty="0" err="1"/>
-              <a:t>loadStops</a:t>
-            </a:r>
-            <a:r>
-              <a:rPr lang="pt-PT" sz="1600" dirty="0"/>
-              <a:t>() e </a:t>
-            </a:r>
-            <a:r>
-              <a:rPr lang="pt-PT" sz="1600" dirty="0" err="1"/>
-              <a:t>loadLines</a:t>
-            </a:r>
-            <a:r>
-              <a:rPr lang="pt-PT" sz="1600" dirty="0"/>
-              <a:t>() pertencentes à </a:t>
-            </a:r>
-            <a:r>
-              <a:rPr lang="pt-PT" sz="1600" dirty="0" err="1"/>
-              <a:t>class</a:t>
-            </a:r>
-            <a:r>
-              <a:rPr lang="pt-PT" sz="1600" dirty="0"/>
-              <a:t> </a:t>
-            </a:r>
-            <a:r>
-              <a:rPr lang="pt-PT" sz="1600" dirty="0" err="1"/>
-              <a:t>LoadData</a:t>
-            </a:r>
-            <a:endParaRPr lang="pt-PT" sz="1600" dirty="0"/>
-          </a:p>
-        </p:txBody>
-      </p:sp>
-      <p:sp>
-        <p:nvSpPr>
-          <p:cNvPr id="7" name="CaixaDeTexto 6">
-            <a:extLst>
-              <a:ext uri="{FF2B5EF4-FFF2-40B4-BE49-F238E27FC236}">
-                <a16:creationId xmlns:a16="http://schemas.microsoft.com/office/drawing/2014/main" id="{962166A5-4DCE-4867-899F-98E7017B6C1D}"/>
-              </a:ext>
-            </a:extLst>
-          </p:cNvPr>
-          <p:cNvSpPr txBox="1"/>
-          <p:nvPr/>
-        </p:nvSpPr>
-        <p:spPr>
-          <a:xfrm>
-            <a:off x="325923" y="1934556"/>
-            <a:ext cx="6272783" cy="830997"/>
-          </a:xfrm>
-          <a:prstGeom prst="rect">
-            <a:avLst/>
-          </a:prstGeom>
-          <a:noFill/>
-        </p:spPr>
-        <p:txBody>
-          <a:bodyPr wrap="square" rtlCol="0">
-            <a:spAutoFit/>
-          </a:bodyPr>
-          <a:lstStyle/>
-          <a:p>
-            <a:pPr marL="285750" indent="-285750">
-              <a:buFont typeface="Arial" panose="020B0604020202020204" pitchFamily="34" charset="0"/>
-              <a:buChar char="•"/>
-            </a:pPr>
-            <a:r>
-              <a:rPr lang="pt-PT" sz="1200" dirty="0"/>
-              <a:t>As suas complexidades temporais são O(s) e O(n*m) </a:t>
-            </a:r>
-          </a:p>
-          <a:p>
-            <a:pPr marL="285750" indent="-285750">
-              <a:buFont typeface="Arial" panose="020B0604020202020204" pitchFamily="34" charset="0"/>
-              <a:buChar char="•"/>
-            </a:pPr>
-            <a:r>
-              <a:rPr lang="pt-PT" sz="1200" dirty="0"/>
-              <a:t>s -&gt; nº total de paragens</a:t>
-            </a:r>
-          </a:p>
-          <a:p>
-            <a:pPr marL="285750" indent="-285750">
-              <a:buFont typeface="Arial" panose="020B0604020202020204" pitchFamily="34" charset="0"/>
-              <a:buChar char="•"/>
-            </a:pPr>
-            <a:r>
-              <a:rPr lang="pt-PT" sz="1200" dirty="0"/>
-              <a:t>n -&gt; nº de linhas</a:t>
-            </a:r>
-          </a:p>
-          <a:p>
-            <a:pPr marL="285750" indent="-285750">
-              <a:buFont typeface="Arial" panose="020B0604020202020204" pitchFamily="34" charset="0"/>
-              <a:buChar char="•"/>
-            </a:pPr>
-            <a:r>
-              <a:rPr lang="pt-PT" sz="1200" dirty="0"/>
-              <a:t>m -&gt; nº médio de paragens por linha</a:t>
-            </a:r>
-          </a:p>
-        </p:txBody>
-      </p:sp>
-      <p:sp>
-        <p:nvSpPr>
-          <p:cNvPr id="8" name="CaixaDeTexto 7">
-            <a:extLst>
-              <a:ext uri="{FF2B5EF4-FFF2-40B4-BE49-F238E27FC236}">
-                <a16:creationId xmlns:a16="http://schemas.microsoft.com/office/drawing/2014/main" id="{A8C3BE8E-053B-4EE8-9015-6CCACFDC16A0}"/>
-              </a:ext>
-            </a:extLst>
-          </p:cNvPr>
-          <p:cNvSpPr txBox="1"/>
-          <p:nvPr/>
-        </p:nvSpPr>
-        <p:spPr>
-          <a:xfrm>
-            <a:off x="7022078" y="1419068"/>
-            <a:ext cx="5148404" cy="1077218"/>
-          </a:xfrm>
-          <a:prstGeom prst="rect">
-            <a:avLst/>
-          </a:prstGeom>
-          <a:noFill/>
-        </p:spPr>
-        <p:txBody>
-          <a:bodyPr wrap="square" rtlCol="0">
-            <a:spAutoFit/>
-          </a:bodyPr>
-          <a:lstStyle/>
-          <a:p>
-            <a:r>
-              <a:rPr lang="pt-PT" sz="1600" dirty="0"/>
-              <a:t>O método </a:t>
-            </a:r>
-            <a:r>
-              <a:rPr lang="pt-PT" sz="1600" dirty="0" err="1"/>
-              <a:t>loadStops</a:t>
-            </a:r>
-            <a:r>
-              <a:rPr lang="pt-PT" sz="1600" dirty="0"/>
-              <a:t>() </a:t>
-            </a:r>
-            <a:r>
-              <a:rPr lang="pt-PT" sz="1600" dirty="0" err="1"/>
-              <a:t>popula</a:t>
-            </a:r>
-            <a:r>
-              <a:rPr lang="pt-PT" sz="1600" dirty="0"/>
-              <a:t> vetor (stops) e </a:t>
-            </a:r>
-            <a:r>
-              <a:rPr lang="pt-PT" sz="1600" dirty="0" err="1"/>
-              <a:t>hashtable</a:t>
-            </a:r>
-            <a:r>
-              <a:rPr lang="pt-PT" sz="1600" dirty="0"/>
-              <a:t> (</a:t>
-            </a:r>
-            <a:r>
-              <a:rPr lang="pt-PT" sz="1600" dirty="0" err="1"/>
-              <a:t>stopCodes</a:t>
-            </a:r>
-            <a:r>
-              <a:rPr lang="pt-PT" sz="1600" dirty="0"/>
-              <a:t>). </a:t>
-            </a:r>
-          </a:p>
-          <a:p>
-            <a:r>
-              <a:rPr lang="pt-PT" sz="1600" dirty="0"/>
-              <a:t>O método </a:t>
-            </a:r>
-            <a:r>
-              <a:rPr lang="pt-PT" sz="1600" dirty="0" err="1"/>
-              <a:t>loadLines</a:t>
-            </a:r>
-            <a:r>
-              <a:rPr lang="pt-PT" sz="1600" dirty="0"/>
-              <a:t>() </a:t>
-            </a:r>
-            <a:r>
-              <a:rPr lang="pt-PT" sz="1600" dirty="0" err="1"/>
-              <a:t>popula</a:t>
-            </a:r>
-            <a:r>
-              <a:rPr lang="pt-PT" sz="1600" dirty="0"/>
-              <a:t> vetor (</a:t>
-            </a:r>
-            <a:r>
-              <a:rPr lang="pt-PT" sz="1600" dirty="0" err="1"/>
-              <a:t>lines</a:t>
-            </a:r>
-            <a:r>
-              <a:rPr lang="pt-PT" sz="1600" dirty="0"/>
-              <a:t>) e cada </a:t>
-            </a:r>
-            <a:r>
-              <a:rPr lang="pt-PT" sz="1600" dirty="0" err="1"/>
-              <a:t>line</a:t>
-            </a:r>
-            <a:r>
-              <a:rPr lang="pt-PT" sz="1600" dirty="0"/>
-              <a:t>, inserindo as respetivas paragens</a:t>
-            </a:r>
-          </a:p>
-        </p:txBody>
-      </p:sp>
-      <p:sp>
-        <p:nvSpPr>
-          <p:cNvPr id="9" name="CaixaDeTexto 8">
-            <a:extLst>
-              <a:ext uri="{FF2B5EF4-FFF2-40B4-BE49-F238E27FC236}">
-                <a16:creationId xmlns:a16="http://schemas.microsoft.com/office/drawing/2014/main" id="{EB8E07F9-8D74-4768-8D03-6F34CD631E02}"/>
-              </a:ext>
-            </a:extLst>
-          </p:cNvPr>
-          <p:cNvSpPr txBox="1"/>
-          <p:nvPr/>
-        </p:nvSpPr>
-        <p:spPr>
-          <a:xfrm>
-            <a:off x="7022078" y="3429000"/>
-            <a:ext cx="3982287" cy="1323439"/>
-          </a:xfrm>
-          <a:prstGeom prst="rect">
-            <a:avLst/>
-          </a:prstGeom>
-          <a:noFill/>
-        </p:spPr>
-        <p:txBody>
-          <a:bodyPr wrap="square" rtlCol="0">
-            <a:spAutoFit/>
-          </a:bodyPr>
-          <a:lstStyle/>
-          <a:p>
-            <a:r>
-              <a:rPr lang="pt-PT" sz="1600" dirty="0"/>
-              <a:t>Por fim, o método </a:t>
-            </a:r>
-            <a:r>
-              <a:rPr lang="pt-PT" sz="1600" dirty="0" err="1"/>
-              <a:t>buildGraph</a:t>
-            </a:r>
-            <a:r>
-              <a:rPr lang="pt-PT" sz="1600" dirty="0"/>
-              <a:t>(), inicializa um grafo, itera o vetor </a:t>
-            </a:r>
-            <a:r>
-              <a:rPr lang="pt-PT" sz="1600" dirty="0" err="1"/>
-              <a:t>lines</a:t>
-            </a:r>
-            <a:r>
-              <a:rPr lang="pt-PT" sz="1600" dirty="0"/>
-              <a:t> pesquisando o ficheiro </a:t>
-            </a:r>
-            <a:r>
-              <a:rPr lang="pt-PT" sz="1600" dirty="0" err="1"/>
-              <a:t>csv</a:t>
-            </a:r>
-            <a:r>
-              <a:rPr lang="pt-PT" sz="1600" dirty="0"/>
-              <a:t> de cada linha que encontra e adiciona as </a:t>
-            </a:r>
-            <a:r>
-              <a:rPr lang="pt-PT" sz="1600" dirty="0" err="1"/>
-              <a:t>edges</a:t>
-            </a:r>
-            <a:r>
-              <a:rPr lang="pt-PT" sz="1600" dirty="0"/>
-              <a:t> encontrando na </a:t>
-            </a:r>
-            <a:r>
-              <a:rPr lang="pt-PT" sz="1600" dirty="0" err="1"/>
-              <a:t>hashtable</a:t>
-            </a:r>
-            <a:r>
-              <a:rPr lang="pt-PT" sz="1600" dirty="0"/>
-              <a:t> o id das paragens.</a:t>
-            </a:r>
-          </a:p>
-        </p:txBody>
-      </p:sp>
-      <p:sp>
-        <p:nvSpPr>
-          <p:cNvPr id="10" name="CaixaDeTexto 9">
-            <a:extLst>
-              <a:ext uri="{FF2B5EF4-FFF2-40B4-BE49-F238E27FC236}">
-                <a16:creationId xmlns:a16="http://schemas.microsoft.com/office/drawing/2014/main" id="{97CDA2AB-CA56-41FB-B354-177CDD2E0403}"/>
-              </a:ext>
-            </a:extLst>
-          </p:cNvPr>
-          <p:cNvSpPr txBox="1"/>
-          <p:nvPr/>
-        </p:nvSpPr>
-        <p:spPr>
-          <a:xfrm>
-            <a:off x="7022078" y="5016575"/>
-            <a:ext cx="3621389" cy="646331"/>
-          </a:xfrm>
-          <a:prstGeom prst="rect">
-            <a:avLst/>
-          </a:prstGeom>
-          <a:noFill/>
-        </p:spPr>
-        <p:txBody>
-          <a:bodyPr wrap="square" rtlCol="0">
-            <a:spAutoFit/>
-          </a:bodyPr>
-          <a:lstStyle/>
-          <a:p>
-            <a:pPr marL="285750" indent="-285750">
-              <a:buFont typeface="Arial" panose="020B0604020202020204" pitchFamily="34" charset="0"/>
-              <a:buChar char="•"/>
-            </a:pPr>
-            <a:r>
-              <a:rPr lang="pt-PT" sz="1200" dirty="0"/>
-              <a:t>Complexidade temporal O(n*m)</a:t>
-            </a:r>
-          </a:p>
-          <a:p>
-            <a:pPr marL="285750" indent="-285750">
-              <a:buFont typeface="Arial" panose="020B0604020202020204" pitchFamily="34" charset="0"/>
-              <a:buChar char="•"/>
-            </a:pPr>
-            <a:r>
-              <a:rPr lang="pt-PT" sz="1200" dirty="0"/>
-              <a:t>n -&gt; nº de linhas</a:t>
-            </a:r>
-          </a:p>
-          <a:p>
-            <a:pPr marL="285750" indent="-285750">
-              <a:buFont typeface="Arial" panose="020B0604020202020204" pitchFamily="34" charset="0"/>
-              <a:buChar char="•"/>
-            </a:pPr>
-            <a:r>
-              <a:rPr lang="pt-PT" sz="1200" dirty="0"/>
-              <a:t>m -&gt; nº médio de paragens por linha</a:t>
-            </a:r>
-          </a:p>
-        </p:txBody>
-      </p:sp>
       <p:pic>
         <p:nvPicPr>
           <p:cNvPr id="17" name="Imagem 16">
@@ -10778,8 +10398,8 @@
         </p:blipFill>
         <p:spPr>
           <a:xfrm>
-            <a:off x="236656" y="3040777"/>
-            <a:ext cx="6272783" cy="3652974"/>
+            <a:off x="1540800" y="1215494"/>
+            <a:ext cx="9402019" cy="5475294"/>
           </a:xfrm>
           <a:prstGeom prst="rect">
             <a:avLst/>
@@ -11200,156 +10820,83 @@
           </a:p>
         </p:txBody>
       </p:sp>
-      <mc:AlternateContent xmlns:mc="http://schemas.openxmlformats.org/markup-compatibility/2006" xmlns:a14="http://schemas.microsoft.com/office/drawing/2010/main">
-        <mc:Choice Requires="a14">
-          <p:sp>
-            <p:nvSpPr>
-              <p:cNvPr id="23" name="CaixaDeTexto 22">
-                <a:extLst>
-                  <a:ext uri="{FF2B5EF4-FFF2-40B4-BE49-F238E27FC236}">
-                    <a16:creationId xmlns:a16="http://schemas.microsoft.com/office/drawing/2014/main" id="{C13EA5BA-12E5-49C1-99FC-86DCBDC058F9}"/>
-                  </a:ext>
-                </a:extLst>
-              </p:cNvPr>
-              <p:cNvSpPr txBox="1"/>
-              <p:nvPr/>
-            </p:nvSpPr>
-            <p:spPr>
-              <a:xfrm>
-                <a:off x="706677" y="3501164"/>
-                <a:ext cx="3748892" cy="2308324"/>
-              </a:xfrm>
-              <a:prstGeom prst="rect">
-                <a:avLst/>
-              </a:prstGeom>
-              <a:noFill/>
-            </p:spPr>
-            <p:txBody>
-              <a:bodyPr wrap="square" rtlCol="0">
-                <a:spAutoFit/>
-              </a:bodyPr>
-              <a:lstStyle/>
-              <a:p>
-                <a:pPr marL="285750" indent="-285750">
-                  <a:buFont typeface="Arial" panose="020B0604020202020204" pitchFamily="34" charset="0"/>
-                  <a:buChar char="•"/>
-                </a:pPr>
-                <a:r>
-                  <a:rPr lang="pt-PT" sz="1600" dirty="0"/>
-                  <a:t>(1) Pesquisa através do menu (selecionando a linha e visualizando as suas paragens)</a:t>
-                </a:r>
-              </a:p>
-              <a:p>
-                <a:endParaRPr lang="pt-PT" sz="1600" dirty="0"/>
-              </a:p>
-              <a:p>
-                <a:pPr marL="285750" indent="-285750">
-                  <a:buFont typeface="Arial" panose="020B0604020202020204" pitchFamily="34" charset="0"/>
-                  <a:buChar char="•"/>
-                </a:pPr>
-                <a:r>
-                  <a:rPr lang="pt-PT" sz="1600" dirty="0"/>
-                  <a:t>(2) Escolha através do código único</a:t>
-                </a:r>
-              </a:p>
-              <a:p>
-                <a:pPr marL="285750" indent="-285750">
-                  <a:buFont typeface="Arial" panose="020B0604020202020204" pitchFamily="34" charset="0"/>
-                  <a:buChar char="•"/>
-                </a:pPr>
-                <a:endParaRPr lang="pt-PT" sz="1600" dirty="0"/>
-              </a:p>
-              <a:p>
-                <a:pPr marL="285750" indent="-285750">
-                  <a:buFont typeface="Arial" panose="020B0604020202020204" pitchFamily="34" charset="0"/>
-                  <a:buChar char="•"/>
-                </a:pPr>
-                <a:r>
-                  <a:rPr lang="pt-PT" sz="1600" dirty="0"/>
-                  <a:t>(3) Escolha através da localização aproximada (devolve as 5 paragens mais próximas) -&gt; complexidade O(</a:t>
-                </a:r>
-                <a14:m>
-                  <m:oMath xmlns:m="http://schemas.openxmlformats.org/officeDocument/2006/math">
-                    <m:sSup>
-                      <m:sSupPr>
-                        <m:ctrlPr>
-                          <a:rPr lang="pt-PT" sz="1600" i="1" smtClean="0">
-                            <a:latin typeface="Cambria Math" panose="02040503050406030204" pitchFamily="18" charset="0"/>
-                          </a:rPr>
-                        </m:ctrlPr>
-                      </m:sSupPr>
-                      <m:e>
-                        <m:r>
-                          <a:rPr lang="pt-PT" sz="1600" b="0" i="1" smtClean="0">
-                            <a:latin typeface="Cambria Math" panose="02040503050406030204" pitchFamily="18" charset="0"/>
-                          </a:rPr>
-                          <m:t>𝑛</m:t>
-                        </m:r>
-                      </m:e>
-                      <m:sup>
-                        <m:r>
-                          <a:rPr lang="pt-PT" sz="1600" i="1" smtClean="0">
-                            <a:latin typeface="Cambria Math" panose="02040503050406030204" pitchFamily="18" charset="0"/>
-                          </a:rPr>
-                          <m:t>2</m:t>
-                        </m:r>
-                      </m:sup>
-                    </m:sSup>
-                  </m:oMath>
-                </a14:m>
-                <a:r>
-                  <a:rPr lang="pt-PT" sz="1600" dirty="0"/>
-                  <a:t>)</a:t>
-                </a:r>
-              </a:p>
-            </p:txBody>
-          </p:sp>
-        </mc:Choice>
-        <mc:Fallback xmlns="">
-          <p:sp>
-            <p:nvSpPr>
-              <p:cNvPr id="23" name="CaixaDeTexto 22">
-                <a:extLst>
-                  <a:ext uri="{FF2B5EF4-FFF2-40B4-BE49-F238E27FC236}">
-                    <a16:creationId xmlns:a16="http://schemas.microsoft.com/office/drawing/2014/main" id="{C13EA5BA-12E5-49C1-99FC-86DCBDC058F9}"/>
-                  </a:ext>
-                </a:extLst>
-              </p:cNvPr>
-              <p:cNvSpPr txBox="1">
-                <a:spLocks noRot="1" noChangeAspect="1" noMove="1" noResize="1" noEditPoints="1" noAdjustHandles="1" noChangeArrowheads="1" noChangeShapeType="1" noTextEdit="1"/>
-              </p:cNvSpPr>
-              <p:nvPr/>
-            </p:nvSpPr>
-            <p:spPr>
-              <a:xfrm>
-                <a:off x="706677" y="3501164"/>
-                <a:ext cx="3748892" cy="2308324"/>
-              </a:xfrm>
-              <a:prstGeom prst="rect">
-                <a:avLst/>
-              </a:prstGeom>
-              <a:blipFill>
-                <a:blip r:embed="rId2"/>
-                <a:stretch>
-                  <a:fillRect l="-650" t="-792" b="-2375"/>
-                </a:stretch>
-              </a:blipFill>
-            </p:spPr>
-            <p:txBody>
-              <a:bodyPr/>
-              <a:lstStyle/>
-              <a:p>
-                <a:r>
-                  <a:rPr lang="pt-PT">
-                    <a:noFill/>
-                  </a:rPr>
-                  <a:t> </a:t>
-                </a:r>
-              </a:p>
-            </p:txBody>
-          </p:sp>
-        </mc:Fallback>
-      </mc:AlternateContent>
+      <p:sp>
+        <p:nvSpPr>
+          <p:cNvPr id="23" name="CaixaDeTexto 22">
+            <a:extLst>
+              <a:ext uri="{FF2B5EF4-FFF2-40B4-BE49-F238E27FC236}">
+                <a16:creationId xmlns:a16="http://schemas.microsoft.com/office/drawing/2014/main" id="{C13EA5BA-12E5-49C1-99FC-86DCBDC058F9}"/>
+              </a:ext>
+            </a:extLst>
+          </p:cNvPr>
+          <p:cNvSpPr txBox="1"/>
+          <p:nvPr/>
+        </p:nvSpPr>
+        <p:spPr>
+          <a:xfrm>
+            <a:off x="706677" y="3579292"/>
+            <a:ext cx="3748892" cy="2329420"/>
+          </a:xfrm>
+          <a:prstGeom prst="rect">
+            <a:avLst/>
+          </a:prstGeom>
+          <a:noFill/>
+        </p:spPr>
+        <p:txBody>
+          <a:bodyPr wrap="square" rtlCol="0">
+            <a:spAutoFit/>
+          </a:bodyPr>
+          <a:lstStyle/>
+          <a:p>
+            <a:pPr marL="285750" indent="-285750">
+              <a:buFont typeface="Arial" panose="020B0604020202020204" pitchFamily="34" charset="0"/>
+              <a:buChar char="•"/>
+            </a:pPr>
+            <a:r>
+              <a:rPr lang="pt-PT" sz="1600" dirty="0"/>
+              <a:t>(1) Pesquisa através do menu (selecionando a linha e visualizando as suas paragens)</a:t>
+            </a:r>
+          </a:p>
+          <a:p>
+            <a:endParaRPr lang="pt-PT" sz="1600" dirty="0"/>
+          </a:p>
+          <a:p>
+            <a:pPr marL="285750" indent="-285750">
+              <a:buFont typeface="Arial" panose="020B0604020202020204" pitchFamily="34" charset="0"/>
+              <a:buChar char="•"/>
+            </a:pPr>
+            <a:r>
+              <a:rPr lang="pt-PT" sz="1600" dirty="0"/>
+              <a:t>(2) Escolha através do código único</a:t>
+            </a:r>
+          </a:p>
+          <a:p>
+            <a:pPr marL="285750" indent="-285750">
+              <a:buFont typeface="Arial" panose="020B0604020202020204" pitchFamily="34" charset="0"/>
+              <a:buChar char="•"/>
+            </a:pPr>
+            <a:endParaRPr lang="pt-PT" sz="1600" dirty="0"/>
+          </a:p>
+          <a:p>
+            <a:pPr marL="285750" indent="-285750">
+              <a:buFont typeface="Arial" panose="020B0604020202020204" pitchFamily="34" charset="0"/>
+              <a:buChar char="•"/>
+            </a:pPr>
+            <a:r>
+              <a:rPr lang="pt-PT" sz="1600" dirty="0"/>
+              <a:t>(3) Escolha através da localização aproximada (devolve as 5 paragens mais próximas) -&gt; complexidade O(</a:t>
+            </a:r>
+            <a:r>
+              <a:rPr lang="pt-PT" sz="1600" i="1" dirty="0"/>
+              <a:t>n</a:t>
+            </a:r>
+            <a:r>
+              <a:rPr lang="pt-PT" sz="1600" dirty="0"/>
+              <a:t>)</a:t>
+            </a:r>
+          </a:p>
+        </p:txBody>
+      </p:sp>
       <p:pic>
         <p:nvPicPr>
           <p:cNvPr id="25" name="Imagem 24">
@@ -11365,7 +10912,7 @@
           <p:nvPr/>
         </p:nvPicPr>
         <p:blipFill>
-          <a:blip r:embed="rId3"/>
+          <a:blip r:embed="rId2"/>
           <a:stretch>
             <a:fillRect/>
           </a:stretch>
@@ -13291,15 +12838,7 @@
           <a:p>
             <a:r>
               <a:rPr lang="pt-PT" dirty="0"/>
-              <a:t>Facilidade e </a:t>
-            </a:r>
-            <a:r>
-              <a:rPr lang="pt-PT" dirty="0" err="1"/>
-              <a:t>intuitividade</a:t>
-            </a:r>
-            <a:r>
-              <a:rPr lang="pt-PT" dirty="0"/>
-              <a:t> do menu</a:t>
+              <a:t>Facilidade e clareza do menu</a:t>
             </a:r>
           </a:p>
         </p:txBody>
